--- a/INTROSE - Analysts.pptx
+++ b/INTROSE - Analysts.pptx
@@ -5882,7 +5882,7 @@
           <p:nvPr/>
         </p:nvGraphicFramePr>
         <p:xfrm>
-          <a:off x="293425" y="1146300"/>
+          <a:off x="314456" y="1088750"/>
           <a:ext cx="3000000" cy="3000000"/>
         </p:xfrm>
         <a:graphic>
@@ -5890,7 +5890,7 @@
             <a:tbl>
               <a:tblPr>
                 <a:noFill/>
-                <a:tableStyleId>{861C3BC6-D8B6-4C63-B97D-D87F8187C0AB}</a:tableStyleId>
+                <a:tableStyleId>{5A0F2968-D3B6-4090-8CE5-033CB1162199}</a:tableStyleId>
               </a:tblPr>
               <a:tblGrid>
                 <a:gridCol w="2128775"/>
@@ -7491,7 +7491,7 @@
             </a:pPr>
             <a:r>
               <a:rPr lang="en" sz="2400"/>
-              <a:t>They need a computing solution to make it easier for the users to check and track their inventories and orders instead of using different excel files. This will help them save a lot of time and confusions in counting the orders per day.</a:t>
+              <a:t>They need a computing solution to make it easier for the users to check and track their inventories and orders instead of using different excel files. This will help them save a lot of time and avoid confusions in counting the orders per day.</a:t>
             </a:r>
           </a:p>
         </p:txBody>

--- a/INTROSE - Analysts.pptx
+++ b/INTROSE - Analysts.pptx
@@ -5890,7 +5890,7 @@
             <a:tbl>
               <a:tblPr>
                 <a:noFill/>
-                <a:tableStyleId>{5A0F2968-D3B6-4090-8CE5-033CB1162199}</a:tableStyleId>
+                <a:tableStyleId>{E47092E5-C61C-4334-AA97-8887FBDC6871}</a:tableStyleId>
               </a:tblPr>
               <a:tblGrid>
                 <a:gridCol w="2128775"/>
@@ -6836,8 +6836,16 @@
               <a:buNone/>
             </a:pPr>
             <a:r>
-              <a:rPr b="1" lang="en"/>
-              <a:t>Company stores goods in warehouse and warehouse personnel lists the deposited goods</a:t>
+              <a:rPr b="1" lang="en" sz="1200"/>
+              <a:t>Company stores goods in warehouse and warehouse personnel lists the deposited goods. </a:t>
+            </a:r>
+            <a:r>
+              <a:rPr b="1" lang="en" sz="1200">
+                <a:solidFill>
+                  <a:schemeClr val="dk2"/>
+                </a:solidFill>
+              </a:rPr>
+              <a:t>Deposit slip is issued.</a:t>
             </a:r>
           </a:p>
         </p:txBody>
@@ -7067,8 +7075,8 @@
               <a:buNone/>
             </a:pPr>
             <a:r>
-              <a:rPr b="1" lang="en"/>
-              <a:t>Warehouse personnel withdraws the goods from inventory and the inventory excel list is updated</a:t>
+              <a:rPr b="1" lang="en" sz="1200"/>
+              <a:t>Warehouse personnel withdraws the goods from inventory and the inventory excel list is updated. Withdrawal slip is issued.</a:t>
             </a:r>
           </a:p>
         </p:txBody>

--- a/INTROSE - Analysts.pptx
+++ b/INTROSE - Analysts.pptx
@@ -17,26 +17,28 @@
     <p:sldId id="262" r:id="rId12"/>
     <p:sldId id="263" r:id="rId13"/>
     <p:sldId id="264" r:id="rId14"/>
+    <p:sldId id="265" r:id="rId15"/>
+    <p:sldId id="266" r:id="rId16"/>
   </p:sldIdLst>
   <p:sldSz cy="5143500" cx="9144000"/>
   <p:notesSz cx="6858000" cy="9144000"/>
   <p:embeddedFontLst>
     <p:embeddedFont>
       <p:font typeface="Playfair Display"/>
-      <p:regular r:id="rId15"/>
-      <p:bold r:id="rId16"/>
-      <p:italic r:id="rId17"/>
-      <p:boldItalic r:id="rId18"/>
+      <p:regular r:id="rId17"/>
+      <p:bold r:id="rId18"/>
+      <p:italic r:id="rId19"/>
+      <p:boldItalic r:id="rId20"/>
     </p:embeddedFont>
     <p:embeddedFont>
       <p:font typeface="Montserrat"/>
-      <p:regular r:id="rId19"/>
-      <p:bold r:id="rId20"/>
+      <p:regular r:id="rId21"/>
+      <p:bold r:id="rId22"/>
     </p:embeddedFont>
     <p:embeddedFont>
       <p:font typeface="Oswald"/>
-      <p:regular r:id="rId21"/>
-      <p:bold r:id="rId22"/>
+      <p:regular r:id="rId23"/>
+      <p:bold r:id="rId24"/>
     </p:embeddedFont>
   </p:embeddedFontLst>
   <p:defaultTextStyle>
@@ -592,6 +594,101 @@
 </p:notes>
 </file>
 
+<file path=ppt/notesSlides/notesSlide10.xml><?xml version="1.0" encoding="utf-8"?>
+<p:notes xmlns:a="http://schemas.openxmlformats.org/drawingml/2006/main" xmlns:r="http://schemas.openxmlformats.org/officeDocument/2006/relationships" xmlns:mc="http://schemas.openxmlformats.org/markup-compatibility/2006" xmlns:mv="urn:schemas-microsoft-com:mac:vml" xmlns:p="http://schemas.openxmlformats.org/presentationml/2006/main" xmlns:c="http://schemas.openxmlformats.org/drawingml/2006/chart" xmlns:dgm="http://schemas.openxmlformats.org/drawingml/2006/diagram" xmlns:o="urn:schemas-microsoft-com:office:office" xmlns:v="urn:schemas-microsoft-com:vml" xmlns:pvml="urn:schemas-microsoft-com:office:powerpoint" xmlns:com="http://schemas.openxmlformats.org/drawingml/2006/compatibility" xmlns:p14="http://schemas.microsoft.com/office/powerpoint/2010/main" showMasterPhAnim="0" showMasterSp="0">
+  <p:cSld>
+    <p:spTree>
+      <p:nvGrpSpPr>
+        <p:cNvPr id="121" name="Shape 121"/>
+        <p:cNvGrpSpPr/>
+        <p:nvPr/>
+      </p:nvGrpSpPr>
+      <p:grpSpPr>
+        <a:xfrm>
+          <a:off x="0" y="0"/>
+          <a:ext cx="0" cy="0"/>
+          <a:chOff x="0" y="0"/>
+          <a:chExt cx="0" cy="0"/>
+        </a:xfrm>
+      </p:grpSpPr>
+      <p:sp>
+        <p:nvSpPr>
+          <p:cNvPr id="122" name="Shape 122"/>
+          <p:cNvSpPr/>
+          <p:nvPr>
+            <p:ph idx="2" type="sldImg"/>
+          </p:nvPr>
+        </p:nvSpPr>
+        <p:spPr>
+          <a:xfrm>
+            <a:off x="381300" y="685800"/>
+            <a:ext cx="6096000" cy="3429000"/>
+          </a:xfrm>
+          <a:custGeom>
+            <a:pathLst>
+              <a:path extrusionOk="0" h="120000" w="120000">
+                <a:moveTo>
+                  <a:pt x="0" y="0"/>
+                </a:moveTo>
+                <a:lnTo>
+                  <a:pt x="120000" y="0"/>
+                </a:lnTo>
+                <a:lnTo>
+                  <a:pt x="120000" y="120000"/>
+                </a:lnTo>
+                <a:lnTo>
+                  <a:pt x="0" y="120000"/>
+                </a:lnTo>
+                <a:close/>
+              </a:path>
+            </a:pathLst>
+          </a:custGeom>
+        </p:spPr>
+      </p:sp>
+      <p:sp>
+        <p:nvSpPr>
+          <p:cNvPr id="123" name="Shape 123"/>
+          <p:cNvSpPr txBox="1"/>
+          <p:nvPr>
+            <p:ph idx="1" type="body"/>
+          </p:nvPr>
+        </p:nvSpPr>
+        <p:spPr>
+          <a:xfrm>
+            <a:off x="685800" y="4343400"/>
+            <a:ext cx="5486399" cy="4114800"/>
+          </a:xfrm>
+          <a:prstGeom prst="rect">
+            <a:avLst/>
+          </a:prstGeom>
+        </p:spPr>
+        <p:txBody>
+          <a:bodyPr anchorCtr="0" anchor="t" bIns="91425" lIns="91425" rIns="91425" tIns="91425">
+            <a:noAutofit/>
+          </a:bodyPr>
+          <a:lstStyle/>
+          <a:p>
+            <a:pPr lvl="0">
+              <a:spcBef>
+                <a:spcPts val="0"/>
+              </a:spcBef>
+              <a:buNone/>
+            </a:pPr>
+            <a:r>
+              <a:t/>
+            </a:r>
+            <a:endParaRPr/>
+          </a:p>
+        </p:txBody>
+      </p:sp>
+    </p:spTree>
+  </p:cSld>
+  <p:clrMapOvr>
+    <a:masterClrMapping/>
+  </p:clrMapOvr>
+</p:notes>
+</file>
+
 <file path=ppt/notesSlides/notesSlide2.xml><?xml version="1.0" encoding="utf-8"?>
 <p:notes xmlns:a="http://schemas.openxmlformats.org/drawingml/2006/main" xmlns:r="http://schemas.openxmlformats.org/officeDocument/2006/relationships" xmlns:mc="http://schemas.openxmlformats.org/markup-compatibility/2006" xmlns:mv="urn:schemas-microsoft-com:mac:vml" xmlns:p="http://schemas.openxmlformats.org/presentationml/2006/main" xmlns:c="http://schemas.openxmlformats.org/drawingml/2006/chart" xmlns:dgm="http://schemas.openxmlformats.org/drawingml/2006/diagram" xmlns:o="urn:schemas-microsoft-com:office:office" xmlns:v="urn:schemas-microsoft-com:vml" xmlns:pvml="urn:schemas-microsoft-com:office:powerpoint" xmlns:com="http://schemas.openxmlformats.org/drawingml/2006/compatibility" xmlns:p14="http://schemas.microsoft.com/office/powerpoint/2010/main" showMasterPhAnim="0" showMasterSp="0">
   <p:cSld>
@@ -882,7 +979,7 @@
   <p:cSld>
     <p:spTree>
       <p:nvGrpSpPr>
-        <p:cNvPr id="106" name="Shape 106"/>
+        <p:cNvPr id="90" name="Shape 90"/>
         <p:cNvGrpSpPr/>
         <p:nvPr/>
       </p:nvGrpSpPr>
@@ -896,7 +993,7 @@
       </p:grpSpPr>
       <p:sp>
         <p:nvSpPr>
-          <p:cNvPr id="107" name="Shape 107"/>
+          <p:cNvPr id="91" name="Shape 91"/>
           <p:cNvSpPr/>
           <p:nvPr>
             <p:ph idx="2" type="sldImg"/>
@@ -930,7 +1027,7 @@
       </p:sp>
       <p:sp>
         <p:nvSpPr>
-          <p:cNvPr id="108" name="Shape 108"/>
+          <p:cNvPr id="92" name="Shape 92"/>
           <p:cNvSpPr txBox="1"/>
           <p:nvPr>
             <p:ph idx="1" type="body"/>
@@ -951,7 +1048,7 @@
           </a:bodyPr>
           <a:lstStyle/>
           <a:p>
-            <a:pPr lvl="0">
+            <a:pPr lvl="0" rtl="0">
               <a:spcBef>
                 <a:spcPts val="0"/>
               </a:spcBef>
@@ -977,7 +1074,7 @@
   <p:cSld>
     <p:spTree>
       <p:nvGrpSpPr>
-        <p:cNvPr id="112" name="Shape 112"/>
+        <p:cNvPr id="96" name="Shape 96"/>
         <p:cNvGrpSpPr/>
         <p:nvPr/>
       </p:nvGrpSpPr>
@@ -991,7 +1088,7 @@
       </p:grpSpPr>
       <p:sp>
         <p:nvSpPr>
-          <p:cNvPr id="113" name="Shape 113"/>
+          <p:cNvPr id="97" name="Shape 97"/>
           <p:cNvSpPr/>
           <p:nvPr>
             <p:ph idx="2" type="sldImg"/>
@@ -1025,7 +1122,7 @@
       </p:sp>
       <p:sp>
         <p:nvSpPr>
-          <p:cNvPr id="114" name="Shape 114"/>
+          <p:cNvPr id="98" name="Shape 98"/>
           <p:cNvSpPr txBox="1"/>
           <p:nvPr>
             <p:ph idx="1" type="body"/>
@@ -1046,7 +1143,7 @@
           </a:bodyPr>
           <a:lstStyle/>
           <a:p>
-            <a:pPr lvl="0">
+            <a:pPr lvl="0" rtl="0">
               <a:spcBef>
                 <a:spcPts val="0"/>
               </a:spcBef>
@@ -1072,7 +1169,7 @@
   <p:cSld>
     <p:spTree>
       <p:nvGrpSpPr>
-        <p:cNvPr id="118" name="Shape 118"/>
+        <p:cNvPr id="102" name="Shape 102"/>
         <p:cNvGrpSpPr/>
         <p:nvPr/>
       </p:nvGrpSpPr>
@@ -1086,7 +1183,7 @@
       </p:grpSpPr>
       <p:sp>
         <p:nvSpPr>
-          <p:cNvPr id="119" name="Shape 119"/>
+          <p:cNvPr id="103" name="Shape 103"/>
           <p:cNvSpPr/>
           <p:nvPr>
             <p:ph idx="2" type="sldImg"/>
@@ -1120,7 +1217,7 @@
       </p:sp>
       <p:sp>
         <p:nvSpPr>
-          <p:cNvPr id="120" name="Shape 120"/>
+          <p:cNvPr id="104" name="Shape 104"/>
           <p:cNvSpPr txBox="1"/>
           <p:nvPr>
             <p:ph idx="1" type="body"/>
@@ -1167,7 +1264,7 @@
   <p:cSld>
     <p:spTree>
       <p:nvGrpSpPr>
-        <p:cNvPr id="125" name="Shape 125"/>
+        <p:cNvPr id="108" name="Shape 108"/>
         <p:cNvGrpSpPr/>
         <p:nvPr/>
       </p:nvGrpSpPr>
@@ -1181,7 +1278,7 @@
       </p:grpSpPr>
       <p:sp>
         <p:nvSpPr>
-          <p:cNvPr id="126" name="Shape 126"/>
+          <p:cNvPr id="109" name="Shape 109"/>
           <p:cNvSpPr/>
           <p:nvPr>
             <p:ph idx="2" type="sldImg"/>
@@ -1215,7 +1312,102 @@
       </p:sp>
       <p:sp>
         <p:nvSpPr>
-          <p:cNvPr id="127" name="Shape 127"/>
+          <p:cNvPr id="110" name="Shape 110"/>
+          <p:cNvSpPr txBox="1"/>
+          <p:nvPr>
+            <p:ph idx="1" type="body"/>
+          </p:nvPr>
+        </p:nvSpPr>
+        <p:spPr>
+          <a:xfrm>
+            <a:off x="685800" y="4343400"/>
+            <a:ext cx="5486399" cy="4114800"/>
+          </a:xfrm>
+          <a:prstGeom prst="rect">
+            <a:avLst/>
+          </a:prstGeom>
+        </p:spPr>
+        <p:txBody>
+          <a:bodyPr anchorCtr="0" anchor="t" bIns="91425" lIns="91425" rIns="91425" tIns="91425">
+            <a:noAutofit/>
+          </a:bodyPr>
+          <a:lstStyle/>
+          <a:p>
+            <a:pPr lvl="0">
+              <a:spcBef>
+                <a:spcPts val="0"/>
+              </a:spcBef>
+              <a:buNone/>
+            </a:pPr>
+            <a:r>
+              <a:t/>
+            </a:r>
+            <a:endParaRPr/>
+          </a:p>
+        </p:txBody>
+      </p:sp>
+    </p:spTree>
+  </p:cSld>
+  <p:clrMapOvr>
+    <a:masterClrMapping/>
+  </p:clrMapOvr>
+</p:notes>
+</file>
+
+<file path=ppt/notesSlides/notesSlide9.xml><?xml version="1.0" encoding="utf-8"?>
+<p:notes xmlns:a="http://schemas.openxmlformats.org/drawingml/2006/main" xmlns:r="http://schemas.openxmlformats.org/officeDocument/2006/relationships" xmlns:mc="http://schemas.openxmlformats.org/markup-compatibility/2006" xmlns:mv="urn:schemas-microsoft-com:mac:vml" xmlns:p="http://schemas.openxmlformats.org/presentationml/2006/main" xmlns:c="http://schemas.openxmlformats.org/drawingml/2006/chart" xmlns:dgm="http://schemas.openxmlformats.org/drawingml/2006/diagram" xmlns:o="urn:schemas-microsoft-com:office:office" xmlns:v="urn:schemas-microsoft-com:vml" xmlns:pvml="urn:schemas-microsoft-com:office:powerpoint" xmlns:com="http://schemas.openxmlformats.org/drawingml/2006/compatibility" xmlns:p14="http://schemas.microsoft.com/office/powerpoint/2010/main" showMasterPhAnim="0" showMasterSp="0">
+  <p:cSld>
+    <p:spTree>
+      <p:nvGrpSpPr>
+        <p:cNvPr id="114" name="Shape 114"/>
+        <p:cNvGrpSpPr/>
+        <p:nvPr/>
+      </p:nvGrpSpPr>
+      <p:grpSpPr>
+        <a:xfrm>
+          <a:off x="0" y="0"/>
+          <a:ext cx="0" cy="0"/>
+          <a:chOff x="0" y="0"/>
+          <a:chExt cx="0" cy="0"/>
+        </a:xfrm>
+      </p:grpSpPr>
+      <p:sp>
+        <p:nvSpPr>
+          <p:cNvPr id="115" name="Shape 115"/>
+          <p:cNvSpPr/>
+          <p:nvPr>
+            <p:ph idx="2" type="sldImg"/>
+          </p:nvPr>
+        </p:nvSpPr>
+        <p:spPr>
+          <a:xfrm>
+            <a:off x="381300" y="685800"/>
+            <a:ext cx="6096000" cy="3429000"/>
+          </a:xfrm>
+          <a:custGeom>
+            <a:pathLst>
+              <a:path extrusionOk="0" h="120000" w="120000">
+                <a:moveTo>
+                  <a:pt x="0" y="0"/>
+                </a:moveTo>
+                <a:lnTo>
+                  <a:pt x="120000" y="0"/>
+                </a:lnTo>
+                <a:lnTo>
+                  <a:pt x="120000" y="120000"/>
+                </a:lnTo>
+                <a:lnTo>
+                  <a:pt x="0" y="120000"/>
+                </a:lnTo>
+                <a:close/>
+              </a:path>
+            </a:pathLst>
+          </a:custGeom>
+        </p:spPr>
+      </p:sp>
+      <p:sp>
+        <p:nvSpPr>
+          <p:cNvPr id="116" name="Shape 116"/>
           <p:cNvSpPr txBox="1"/>
           <p:nvPr>
             <p:ph idx="1" type="body"/>
@@ -5415,6 +5607,106 @@
 </p:sld>
 </file>
 
+<file path=ppt/slides/slide10.xml><?xml version="1.0" encoding="utf-8"?>
+<p:sld xmlns:a="http://schemas.openxmlformats.org/drawingml/2006/main" xmlns:r="http://schemas.openxmlformats.org/officeDocument/2006/relationships" xmlns:mc="http://schemas.openxmlformats.org/markup-compatibility/2006" xmlns:mv="urn:schemas-microsoft-com:mac:vml" xmlns:p="http://schemas.openxmlformats.org/presentationml/2006/main" xmlns:c="http://schemas.openxmlformats.org/drawingml/2006/chart" xmlns:dgm="http://schemas.openxmlformats.org/drawingml/2006/diagram" xmlns:o="urn:schemas-microsoft-com:office:office" xmlns:v="urn:schemas-microsoft-com:vml" xmlns:pvml="urn:schemas-microsoft-com:office:powerpoint" xmlns:com="http://schemas.openxmlformats.org/drawingml/2006/compatibility" xmlns:p14="http://schemas.microsoft.com/office/powerpoint/2010/main">
+  <p:cSld>
+    <p:spTree>
+      <p:nvGrpSpPr>
+        <p:cNvPr id="124" name="Shape 124"/>
+        <p:cNvGrpSpPr/>
+        <p:nvPr/>
+      </p:nvGrpSpPr>
+      <p:grpSpPr>
+        <a:xfrm>
+          <a:off x="0" y="0"/>
+          <a:ext cx="0" cy="0"/>
+          <a:chOff x="0" y="0"/>
+          <a:chExt cx="0" cy="0"/>
+        </a:xfrm>
+      </p:grpSpPr>
+      <p:sp>
+        <p:nvSpPr>
+          <p:cNvPr id="125" name="Shape 125"/>
+          <p:cNvSpPr txBox="1"/>
+          <p:nvPr>
+            <p:ph type="ctrTitle"/>
+          </p:nvPr>
+        </p:nvSpPr>
+        <p:spPr>
+          <a:xfrm>
+            <a:off x="344250" y="1403850"/>
+            <a:ext cx="8455500" cy="2146800"/>
+          </a:xfrm>
+          <a:prstGeom prst="rect">
+            <a:avLst/>
+          </a:prstGeom>
+        </p:spPr>
+        <p:txBody>
+          <a:bodyPr anchorCtr="0" anchor="ctr" bIns="91425" lIns="91425" rIns="91425" tIns="91425">
+            <a:noAutofit/>
+          </a:bodyPr>
+          <a:lstStyle/>
+          <a:p>
+            <a:pPr lvl="0">
+              <a:spcBef>
+                <a:spcPts val="0"/>
+              </a:spcBef>
+              <a:buNone/>
+            </a:pPr>
+            <a:r>
+              <a:rPr lang="en"/>
+              <a:t>Thank You for Listening!</a:t>
+            </a:r>
+          </a:p>
+        </p:txBody>
+      </p:sp>
+      <p:sp>
+        <p:nvSpPr>
+          <p:cNvPr id="126" name="Shape 126"/>
+          <p:cNvSpPr txBox="1"/>
+          <p:nvPr>
+            <p:ph idx="1" type="subTitle"/>
+          </p:nvPr>
+        </p:nvSpPr>
+        <p:spPr>
+          <a:xfrm>
+            <a:off x="344250" y="3550650"/>
+            <a:ext cx="4910100" cy="577799"/>
+          </a:xfrm>
+          <a:prstGeom prst="rect">
+            <a:avLst/>
+          </a:prstGeom>
+        </p:spPr>
+        <p:txBody>
+          <a:bodyPr anchorCtr="0" anchor="ctr" bIns="91425" lIns="91425" rIns="91425" tIns="91425">
+            <a:noAutofit/>
+          </a:bodyPr>
+          <a:lstStyle/>
+          <a:p>
+            <a:pPr lvl="0">
+              <a:spcBef>
+                <a:spcPts val="0"/>
+              </a:spcBef>
+              <a:buNone/>
+            </a:pPr>
+            <a:r>
+              <a:rPr lang="en"/>
+              <a:t>INTROSE S22</a:t>
+            </a:r>
+          </a:p>
+        </p:txBody>
+      </p:sp>
+    </p:spTree>
+  </p:cSld>
+  <p:clrMapOvr>
+    <a:masterClrMapping/>
+  </p:clrMapOvr>
+  <p:transition spd="slow">
+    <p:cut/>
+  </p:transition>
+</p:sld>
+</file>
+
 <file path=ppt/slides/slide2.xml><?xml version="1.0" encoding="utf-8"?>
 <p:sld xmlns:a="http://schemas.openxmlformats.org/drawingml/2006/main" xmlns:r="http://schemas.openxmlformats.org/officeDocument/2006/relationships" xmlns:mc="http://schemas.openxmlformats.org/markup-compatibility/2006" xmlns:mv="urn:schemas-microsoft-com:mac:vml" xmlns:p="http://schemas.openxmlformats.org/presentationml/2006/main" xmlns:c="http://schemas.openxmlformats.org/drawingml/2006/chart" xmlns:dgm="http://schemas.openxmlformats.org/drawingml/2006/diagram" xmlns:o="urn:schemas-microsoft-com:office:office" xmlns:v="urn:schemas-microsoft-com:vml" xmlns:pvml="urn:schemas-microsoft-com:office:powerpoint" xmlns:com="http://schemas.openxmlformats.org/drawingml/2006/compatibility" xmlns:p14="http://schemas.microsoft.com/office/powerpoint/2010/main">
   <p:cSld>
@@ -5600,18 +5892,6 @@
             </a:r>
           </a:p>
           <a:p>
-            <a:pPr lvl="0" rtl="0">
-              <a:spcBef>
-                <a:spcPts val="0"/>
-              </a:spcBef>
-              <a:buNone/>
-            </a:pPr>
-            <a:r>
-              <a:t/>
-            </a:r>
-            <a:endParaRPr sz="1800"/>
-          </a:p>
-          <a:p>
             <a:pPr indent="0" lvl="0" marL="0" marR="0" rtl="0" algn="l">
               <a:lnSpc>
                 <a:spcPct val="100000"/>
@@ -5645,26 +5925,8 @@
             </a:pPr>
             <a:r>
               <a:rPr lang="en" sz="1800"/>
-              <a:t>1210 Entrata Bldg., Crimson Hotel</a:t>
+              <a:t>Rm. 1209 Entrata Bldg., Crimson Hotel, Civic Drive, Filinvest Corporate City, Alabang 1781, Muntinlupa</a:t>
             </a:r>
-          </a:p>
-          <a:p>
-            <a:pPr indent="0" lvl="0" marL="0" marR="0" rtl="0" algn="l">
-              <a:lnSpc>
-                <a:spcPct val="100000"/>
-              </a:lnSpc>
-              <a:spcBef>
-                <a:spcPts val="0"/>
-              </a:spcBef>
-              <a:spcAft>
-                <a:spcPts val="0"/>
-              </a:spcAft>
-              <a:buNone/>
-            </a:pPr>
-            <a:r>
-              <a:t/>
-            </a:r>
-            <a:endParaRPr sz="1800"/>
           </a:p>
           <a:p>
             <a:pPr indent="0" lvl="0" marL="0" marR="0" rtl="0" algn="l">
@@ -5890,7 +6152,7 @@
             <a:tbl>
               <a:tblPr>
                 <a:noFill/>
-                <a:tableStyleId>{E47092E5-C61C-4334-AA97-8887FBDC6871}</a:tableStyleId>
+                <a:tableStyleId>{35C2B963-7AF2-4995-B2C7-503E17B67F62}</a:tableStyleId>
               </a:tblPr>
               <a:tblGrid>
                 <a:gridCol w="2128775"/>
@@ -6064,7 +6326,7 @@
                       </a:pPr>
                       <a:r>
                         <a:rPr lang="en" sz="1100"/>
-                        <a:t>There is no system to check the list of all products</a:t>
+                        <a:t>Upon monthly warehouse check there are items unaccounted for.</a:t>
                       </a:r>
                     </a:p>
                   </a:txBody>
@@ -6091,7 +6353,7 @@
                       </a:pPr>
                       <a:r>
                         <a:rPr lang="en" sz="1100"/>
-                        <a:t>There are different databases for many information or records the company keeps</a:t>
+                        <a:t>There are different databases for many information or records the company keeps.</a:t>
                       </a:r>
                     </a:p>
                   </a:txBody>
@@ -6123,7 +6385,7 @@
                       </a:pPr>
                       <a:r>
                         <a:rPr lang="en" sz="1100"/>
-                        <a:t>The user manually checks and balances the databases</a:t>
+                        <a:t>The user manually checks and balances the databases.</a:t>
                       </a:r>
                     </a:p>
                   </a:txBody>
@@ -6153,7 +6415,7 @@
                             <a:schemeClr val="dk2"/>
                           </a:solidFill>
                         </a:rPr>
-                        <a:t>Productivity is not maximized and time is wasted</a:t>
+                        <a:t>Productivity is not maximized and time is wasted.</a:t>
                       </a:r>
                     </a:p>
                   </a:txBody>
@@ -6203,7 +6465,7 @@
                       </a:pPr>
                       <a:r>
                         <a:rPr lang="en" sz="1100"/>
-                        <a:t>Manual inventory by using different excel files for orders, meats, and seafoods</a:t>
+                        <a:t>Manual inventory by using different excel files for orders, meats, and seafoods.</a:t>
                       </a:r>
                     </a:p>
                     <a:p>
@@ -6348,12 +6610,8 @@
                         <a:buNone/>
                       </a:pPr>
                       <a:r>
-                        <a:rPr lang="en" sz="1100">
-                          <a:solidFill>
-                            <a:schemeClr val="dk2"/>
-                          </a:solidFill>
-                        </a:rPr>
-                        <a:t>The user manually counts the total order of each product they have to deliver for a day.</a:t>
+                        <a:rPr lang="en" sz="1100"/>
+                        <a:t>The company cannot instantly see the total quantity of products to be delivered per day.</a:t>
                       </a:r>
                     </a:p>
                     <a:p>
@@ -6395,7 +6653,7 @@
                             <a:schemeClr val="dk2"/>
                           </a:solidFill>
                         </a:rPr>
-                        <a:t>There is no goods movement summary.</a:t>
+                        <a:t>There is no function that will count the total count per day in their excel sheet.</a:t>
                       </a:r>
                     </a:p>
                     <a:p>
@@ -6446,44 +6704,7 @@
                             <a:schemeClr val="dk2"/>
                           </a:solidFill>
                         </a:rPr>
-                        <a:t>The orders are not being summarized in the excel file.</a:t>
-                      </a:r>
-                    </a:p>
-                    <a:p>
-                      <a:pPr lvl="0" rtl="0">
-                        <a:spcBef>
-                          <a:spcPts val="0"/>
-                        </a:spcBef>
-                        <a:buNone/>
-                      </a:pPr>
-                      <a:r>
-                        <a:t/>
-                      </a:r>
-                      <a:endParaRPr sz="1100">
-                        <a:solidFill>
-                          <a:schemeClr val="dk2"/>
-                        </a:solidFill>
-                      </a:endParaRPr>
-                    </a:p>
-                    <a:p>
-                      <a:pPr lvl="0" rtl="0">
-                        <a:spcBef>
-                          <a:spcPts val="0"/>
-                        </a:spcBef>
-                        <a:buClr>
-                          <a:schemeClr val="dk2"/>
-                        </a:buClr>
-                        <a:buSzPct val="100000"/>
-                        <a:buFont typeface="Arial"/>
-                        <a:buNone/>
-                      </a:pPr>
-                      <a:r>
-                        <a:rPr lang="en" sz="1100">
-                          <a:solidFill>
-                            <a:schemeClr val="dk2"/>
-                          </a:solidFill>
-                        </a:rPr>
-                        <a:t>The user gets confused when counting the orders.</a:t>
+                        <a:t>The user gets confused when he/she manually counts the orders.</a:t>
                       </a:r>
                     </a:p>
                   </a:txBody>
@@ -6592,678 +6813,33 @@
           </a:p>
         </p:txBody>
       </p:sp>
-      <p:sp>
-        <p:nvSpPr>
+      <p:pic>
+        <p:nvPicPr>
           <p:cNvPr id="89" name="Shape 89"/>
-          <p:cNvSpPr/>
+          <p:cNvPicPr preferRelativeResize="0"/>
           <p:nvPr/>
-        </p:nvSpPr>
-        <p:spPr>
-          <a:xfrm>
-            <a:off x="311700" y="1250275"/>
-            <a:ext cx="2166000" cy="887699"/>
-          </a:xfrm>
-          <a:prstGeom prst="roundRect">
-            <a:avLst>
-              <a:gd fmla="val 16667" name="adj"/>
-            </a:avLst>
-          </a:prstGeom>
-          <a:solidFill>
-            <a:schemeClr val="lt2"/>
-          </a:solidFill>
-          <a:ln cap="flat" cmpd="sng" w="9525">
-            <a:solidFill>
-              <a:schemeClr val="dk2"/>
-            </a:solidFill>
-            <a:prstDash val="solid"/>
-            <a:round/>
-            <a:headEnd len="med" w="med" type="none"/>
-            <a:tailEnd len="med" w="med" type="none"/>
-          </a:ln>
-        </p:spPr>
-        <p:txBody>
-          <a:bodyPr anchorCtr="0" anchor="ctr" bIns="91425" lIns="91425" rIns="91425" tIns="91425">
-            <a:noAutofit/>
-          </a:bodyPr>
-          <a:lstStyle/>
-          <a:p>
-            <a:pPr lvl="0">
-              <a:spcBef>
-                <a:spcPts val="0"/>
-              </a:spcBef>
-              <a:buNone/>
-            </a:pPr>
-            <a:r>
-              <a:rPr b="1" lang="en"/>
-              <a:t>Company receives order from clients either through call, text or email</a:t>
-            </a:r>
-          </a:p>
-        </p:txBody>
-      </p:sp>
-      <p:sp>
-        <p:nvSpPr>
-          <p:cNvPr id="90" name="Shape 90"/>
-          <p:cNvSpPr/>
-          <p:nvPr/>
-        </p:nvSpPr>
-        <p:spPr>
-          <a:xfrm>
-            <a:off x="311700" y="2592275"/>
-            <a:ext cx="2166000" cy="887699"/>
-          </a:xfrm>
-          <a:prstGeom prst="roundRect">
-            <a:avLst>
-              <a:gd fmla="val 16667" name="adj"/>
-            </a:avLst>
-          </a:prstGeom>
-          <a:solidFill>
-            <a:schemeClr val="lt2"/>
-          </a:solidFill>
-          <a:ln cap="flat" cmpd="sng" w="9525">
-            <a:solidFill>
-              <a:schemeClr val="dk2"/>
-            </a:solidFill>
-            <a:prstDash val="solid"/>
-            <a:round/>
-            <a:headEnd len="med" w="med" type="none"/>
-            <a:tailEnd len="med" w="med" type="none"/>
-          </a:ln>
-        </p:spPr>
-        <p:txBody>
-          <a:bodyPr anchorCtr="0" anchor="ctr" bIns="91425" lIns="91425" rIns="91425" tIns="91425">
-            <a:noAutofit/>
-          </a:bodyPr>
-          <a:lstStyle/>
-          <a:p>
-            <a:pPr lvl="0" rtl="0">
-              <a:spcBef>
-                <a:spcPts val="0"/>
-              </a:spcBef>
-              <a:buNone/>
-            </a:pPr>
-            <a:r>
-              <a:rPr b="1" lang="en"/>
-              <a:t>Order gets placed in the order sheet by the secretary</a:t>
-            </a:r>
-          </a:p>
-        </p:txBody>
-      </p:sp>
-      <p:sp>
-        <p:nvSpPr>
-          <p:cNvPr id="91" name="Shape 91"/>
-          <p:cNvSpPr/>
-          <p:nvPr/>
-        </p:nvSpPr>
-        <p:spPr>
-          <a:xfrm>
-            <a:off x="311700" y="3923675"/>
-            <a:ext cx="2166000" cy="887699"/>
-          </a:xfrm>
-          <a:prstGeom prst="roundRect">
-            <a:avLst>
-              <a:gd fmla="val 16667" name="adj"/>
-            </a:avLst>
-          </a:prstGeom>
-          <a:solidFill>
-            <a:schemeClr val="lt2"/>
-          </a:solidFill>
-          <a:ln cap="flat" cmpd="sng" w="9525">
-            <a:solidFill>
-              <a:schemeClr val="dk2"/>
-            </a:solidFill>
-            <a:prstDash val="solid"/>
-            <a:round/>
-            <a:headEnd len="med" w="med" type="none"/>
-            <a:tailEnd len="med" w="med" type="none"/>
-          </a:ln>
-        </p:spPr>
-        <p:txBody>
-          <a:bodyPr anchorCtr="0" anchor="ctr" bIns="91425" lIns="91425" rIns="91425" tIns="91425">
-            <a:noAutofit/>
-          </a:bodyPr>
-          <a:lstStyle/>
-          <a:p>
-            <a:pPr lvl="0" rtl="0">
-              <a:spcBef>
-                <a:spcPts val="0"/>
-              </a:spcBef>
-              <a:buNone/>
-            </a:pPr>
-            <a:r>
-              <a:rPr b="1" lang="en"/>
-              <a:t>Company requests goods from suppliers based on client order</a:t>
-            </a:r>
-          </a:p>
-        </p:txBody>
-      </p:sp>
-      <p:cxnSp>
-        <p:nvCxnSpPr>
-          <p:cNvPr id="92" name="Shape 92"/>
-          <p:cNvCxnSpPr>
-            <a:stCxn id="89" idx="2"/>
-            <a:endCxn id="90" idx="0"/>
-          </p:cNvCxnSpPr>
-          <p:nvPr/>
-        </p:nvCxnSpPr>
-        <p:spPr>
-          <a:xfrm>
-            <a:off x="1394700" y="2137974"/>
-            <a:ext cx="0" cy="454200"/>
-          </a:xfrm>
-          <a:prstGeom prst="straightConnector1">
+        </p:nvPicPr>
+        <p:blipFill rotWithShape="1">
+          <a:blip r:embed="rId3">
+            <a:alphaModFix/>
+          </a:blip>
+          <a:srcRect b="0" l="1224" r="0" t="0"/>
+          <a:stretch/>
+        </p:blipFill>
+        <p:spPr>
+          <a:xfrm>
+            <a:off x="1676950" y="1017725"/>
+            <a:ext cx="5452574" cy="3960874"/>
+          </a:xfrm>
+          <a:prstGeom prst="rect">
             <a:avLst/>
           </a:prstGeom>
           <a:noFill/>
-          <a:ln cap="flat" cmpd="sng" w="9525">
-            <a:solidFill>
-              <a:schemeClr val="dk2"/>
-            </a:solidFill>
-            <a:prstDash val="solid"/>
-            <a:round/>
-            <a:headEnd len="lg" w="lg" type="none"/>
-            <a:tailEnd len="lg" w="lg" type="triangle"/>
+          <a:ln>
+            <a:noFill/>
           </a:ln>
         </p:spPr>
-      </p:cxnSp>
-      <p:cxnSp>
-        <p:nvCxnSpPr>
-          <p:cNvPr id="93" name="Shape 93"/>
-          <p:cNvCxnSpPr>
-            <a:stCxn id="90" idx="2"/>
-            <a:endCxn id="91" idx="0"/>
-          </p:cNvCxnSpPr>
-          <p:nvPr/>
-        </p:nvCxnSpPr>
-        <p:spPr>
-          <a:xfrm>
-            <a:off x="1394700" y="3479974"/>
-            <a:ext cx="0" cy="443700"/>
-          </a:xfrm>
-          <a:prstGeom prst="straightConnector1">
-            <a:avLst/>
-          </a:prstGeom>
-          <a:noFill/>
-          <a:ln cap="flat" cmpd="sng" w="9525">
-            <a:solidFill>
-              <a:schemeClr val="dk2"/>
-            </a:solidFill>
-            <a:prstDash val="solid"/>
-            <a:round/>
-            <a:headEnd len="lg" w="lg" type="none"/>
-            <a:tailEnd len="lg" w="lg" type="triangle"/>
-          </a:ln>
-        </p:spPr>
-      </p:cxnSp>
-      <p:sp>
-        <p:nvSpPr>
-          <p:cNvPr id="94" name="Shape 94"/>
-          <p:cNvSpPr/>
-          <p:nvPr/>
-        </p:nvSpPr>
-        <p:spPr>
-          <a:xfrm>
-            <a:off x="3003600" y="3844025"/>
-            <a:ext cx="2166000" cy="1047000"/>
-          </a:xfrm>
-          <a:prstGeom prst="roundRect">
-            <a:avLst>
-              <a:gd fmla="val 16667" name="adj"/>
-            </a:avLst>
-          </a:prstGeom>
-          <a:solidFill>
-            <a:schemeClr val="lt2"/>
-          </a:solidFill>
-          <a:ln cap="flat" cmpd="sng" w="9525">
-            <a:solidFill>
-              <a:schemeClr val="dk2"/>
-            </a:solidFill>
-            <a:prstDash val="solid"/>
-            <a:round/>
-            <a:headEnd len="med" w="med" type="none"/>
-            <a:tailEnd len="med" w="med" type="none"/>
-          </a:ln>
-        </p:spPr>
-        <p:txBody>
-          <a:bodyPr anchorCtr="0" anchor="ctr" bIns="91425" lIns="91425" rIns="91425" tIns="91425">
-            <a:noAutofit/>
-          </a:bodyPr>
-          <a:lstStyle/>
-          <a:p>
-            <a:pPr lvl="0" rtl="0">
-              <a:spcBef>
-                <a:spcPts val="0"/>
-              </a:spcBef>
-              <a:buNone/>
-            </a:pPr>
-            <a:r>
-              <a:rPr b="1" lang="en" sz="1200"/>
-              <a:t>Company stores goods in warehouse and warehouse personnel lists the deposited goods. </a:t>
-            </a:r>
-            <a:r>
-              <a:rPr b="1" lang="en" sz="1200">
-                <a:solidFill>
-                  <a:schemeClr val="dk2"/>
-                </a:solidFill>
-              </a:rPr>
-              <a:t>Deposit slip is issued.</a:t>
-            </a:r>
-          </a:p>
-        </p:txBody>
-      </p:sp>
-      <p:sp>
-        <p:nvSpPr>
-          <p:cNvPr id="95" name="Shape 95"/>
-          <p:cNvSpPr/>
-          <p:nvPr/>
-        </p:nvSpPr>
-        <p:spPr>
-          <a:xfrm>
-            <a:off x="3003875" y="2624925"/>
-            <a:ext cx="2166000" cy="887699"/>
-          </a:xfrm>
-          <a:prstGeom prst="roundRect">
-            <a:avLst>
-              <a:gd fmla="val 16667" name="adj"/>
-            </a:avLst>
-          </a:prstGeom>
-          <a:solidFill>
-            <a:schemeClr val="lt2"/>
-          </a:solidFill>
-          <a:ln cap="flat" cmpd="sng" w="9525">
-            <a:solidFill>
-              <a:schemeClr val="dk2"/>
-            </a:solidFill>
-            <a:prstDash val="solid"/>
-            <a:round/>
-            <a:headEnd len="med" w="med" type="none"/>
-            <a:tailEnd len="med" w="med" type="none"/>
-          </a:ln>
-        </p:spPr>
-        <p:txBody>
-          <a:bodyPr anchorCtr="0" anchor="ctr" bIns="91425" lIns="91425" rIns="91425" tIns="91425">
-            <a:noAutofit/>
-          </a:bodyPr>
-          <a:lstStyle/>
-          <a:p>
-            <a:pPr lvl="0">
-              <a:spcBef>
-                <a:spcPts val="0"/>
-              </a:spcBef>
-              <a:buNone/>
-            </a:pPr>
-            <a:r>
-              <a:rPr b="1" lang="en"/>
-              <a:t>Secretary enters or updates the records in their inventory/excel sheet</a:t>
-            </a:r>
-          </a:p>
-        </p:txBody>
-      </p:sp>
-      <p:sp>
-        <p:nvSpPr>
-          <p:cNvPr id="96" name="Shape 96"/>
-          <p:cNvSpPr/>
-          <p:nvPr/>
-        </p:nvSpPr>
-        <p:spPr>
-          <a:xfrm>
-            <a:off x="5645700" y="1159175"/>
-            <a:ext cx="2301299" cy="915600"/>
-          </a:xfrm>
-          <a:prstGeom prst="roundRect">
-            <a:avLst>
-              <a:gd fmla="val 16667" name="adj"/>
-            </a:avLst>
-          </a:prstGeom>
-          <a:solidFill>
-            <a:schemeClr val="lt2"/>
-          </a:solidFill>
-          <a:ln cap="flat" cmpd="sng" w="9525">
-            <a:solidFill>
-              <a:schemeClr val="dk2"/>
-            </a:solidFill>
-            <a:prstDash val="solid"/>
-            <a:round/>
-            <a:headEnd len="med" w="med" type="none"/>
-            <a:tailEnd len="med" w="med" type="none"/>
-          </a:ln>
-        </p:spPr>
-        <p:txBody>
-          <a:bodyPr anchorCtr="0" anchor="ctr" bIns="91425" lIns="91425" rIns="91425" tIns="91425">
-            <a:noAutofit/>
-          </a:bodyPr>
-          <a:lstStyle/>
-          <a:p>
-            <a:pPr lvl="0" rtl="0">
-              <a:spcBef>
-                <a:spcPts val="0"/>
-              </a:spcBef>
-              <a:buNone/>
-            </a:pPr>
-            <a:r>
-              <a:rPr b="1" lang="en"/>
-              <a:t>The company delivers the goods to the clients.</a:t>
-            </a:r>
-          </a:p>
-        </p:txBody>
-      </p:sp>
-      <p:cxnSp>
-        <p:nvCxnSpPr>
-          <p:cNvPr id="97" name="Shape 97"/>
-          <p:cNvCxnSpPr>
-            <a:stCxn id="91" idx="3"/>
-            <a:endCxn id="94" idx="1"/>
-          </p:cNvCxnSpPr>
-          <p:nvPr/>
-        </p:nvCxnSpPr>
-        <p:spPr>
-          <a:xfrm>
-            <a:off x="2477700" y="4367524"/>
-            <a:ext cx="525900" cy="0"/>
-          </a:xfrm>
-          <a:prstGeom prst="straightConnector1">
-            <a:avLst/>
-          </a:prstGeom>
-          <a:noFill/>
-          <a:ln cap="flat" cmpd="sng" w="9525">
-            <a:solidFill>
-              <a:schemeClr val="dk2"/>
-            </a:solidFill>
-            <a:prstDash val="solid"/>
-            <a:round/>
-            <a:headEnd len="lg" w="lg" type="none"/>
-            <a:tailEnd len="lg" w="lg" type="triangle"/>
-          </a:ln>
-        </p:spPr>
-      </p:cxnSp>
-      <p:cxnSp>
-        <p:nvCxnSpPr>
-          <p:cNvPr id="98" name="Shape 98"/>
-          <p:cNvCxnSpPr>
-            <a:stCxn id="94" idx="0"/>
-            <a:endCxn id="95" idx="2"/>
-          </p:cNvCxnSpPr>
-          <p:nvPr/>
-        </p:nvCxnSpPr>
-        <p:spPr>
-          <a:xfrm flipH="1" rot="10800000">
-            <a:off x="4086600" y="3512525"/>
-            <a:ext cx="300" cy="331500"/>
-          </a:xfrm>
-          <a:prstGeom prst="straightConnector1">
-            <a:avLst/>
-          </a:prstGeom>
-          <a:noFill/>
-          <a:ln cap="flat" cmpd="sng" w="9525">
-            <a:solidFill>
-              <a:schemeClr val="dk2"/>
-            </a:solidFill>
-            <a:prstDash val="solid"/>
-            <a:round/>
-            <a:headEnd len="lg" w="lg" type="none"/>
-            <a:tailEnd len="lg" w="lg" type="triangle"/>
-          </a:ln>
-        </p:spPr>
-      </p:cxnSp>
-      <p:cxnSp>
-        <p:nvCxnSpPr>
-          <p:cNvPr id="99" name="Shape 99"/>
-          <p:cNvCxnSpPr>
-            <a:stCxn id="95" idx="0"/>
-            <a:endCxn id="100" idx="2"/>
-          </p:cNvCxnSpPr>
-          <p:nvPr/>
-        </p:nvCxnSpPr>
-        <p:spPr>
-          <a:xfrm rot="10800000">
-            <a:off x="4086875" y="2137725"/>
-            <a:ext cx="0" cy="487200"/>
-          </a:xfrm>
-          <a:prstGeom prst="straightConnector1">
-            <a:avLst/>
-          </a:prstGeom>
-          <a:noFill/>
-          <a:ln cap="flat" cmpd="sng" w="9525">
-            <a:solidFill>
-              <a:schemeClr val="dk2"/>
-            </a:solidFill>
-            <a:prstDash val="solid"/>
-            <a:round/>
-            <a:headEnd len="lg" w="lg" type="none"/>
-            <a:tailEnd len="lg" w="lg" type="triangle"/>
-          </a:ln>
-        </p:spPr>
-      </p:cxnSp>
-      <p:sp>
-        <p:nvSpPr>
-          <p:cNvPr id="100" name="Shape 100"/>
-          <p:cNvSpPr/>
-          <p:nvPr/>
-        </p:nvSpPr>
-        <p:spPr>
-          <a:xfrm>
-            <a:off x="3003875" y="1090850"/>
-            <a:ext cx="2166000" cy="1047000"/>
-          </a:xfrm>
-          <a:prstGeom prst="roundRect">
-            <a:avLst>
-              <a:gd fmla="val 16667" name="adj"/>
-            </a:avLst>
-          </a:prstGeom>
-          <a:solidFill>
-            <a:schemeClr val="lt2"/>
-          </a:solidFill>
-          <a:ln cap="flat" cmpd="sng" w="9525">
-            <a:solidFill>
-              <a:schemeClr val="dk2"/>
-            </a:solidFill>
-            <a:prstDash val="solid"/>
-            <a:round/>
-            <a:headEnd len="med" w="med" type="none"/>
-            <a:tailEnd len="med" w="med" type="none"/>
-          </a:ln>
-        </p:spPr>
-        <p:txBody>
-          <a:bodyPr anchorCtr="0" anchor="ctr" bIns="91425" lIns="91425" rIns="91425" tIns="91425">
-            <a:noAutofit/>
-          </a:bodyPr>
-          <a:lstStyle/>
-          <a:p>
-            <a:pPr lvl="0" rtl="0">
-              <a:spcBef>
-                <a:spcPts val="0"/>
-              </a:spcBef>
-              <a:buNone/>
-            </a:pPr>
-            <a:r>
-              <a:rPr b="1" lang="en" sz="1200"/>
-              <a:t>Warehouse personnel withdraws the goods from inventory and the inventory excel list is updated. Withdrawal slip is issued.</a:t>
-            </a:r>
-          </a:p>
-        </p:txBody>
-      </p:sp>
-      <p:sp>
-        <p:nvSpPr>
-          <p:cNvPr id="101" name="Shape 101"/>
-          <p:cNvSpPr/>
-          <p:nvPr/>
-        </p:nvSpPr>
-        <p:spPr>
-          <a:xfrm>
-            <a:off x="5582700" y="2396325"/>
-            <a:ext cx="2432099" cy="1219199"/>
-          </a:xfrm>
-          <a:prstGeom prst="roundRect">
-            <a:avLst>
-              <a:gd fmla="val 16667" name="adj"/>
-            </a:avLst>
-          </a:prstGeom>
-          <a:solidFill>
-            <a:schemeClr val="lt2"/>
-          </a:solidFill>
-          <a:ln cap="flat" cmpd="sng" w="9525">
-            <a:solidFill>
-              <a:schemeClr val="dk2"/>
-            </a:solidFill>
-            <a:prstDash val="solid"/>
-            <a:round/>
-            <a:headEnd len="med" w="med" type="none"/>
-            <a:tailEnd len="med" w="med" type="none"/>
-          </a:ln>
-        </p:spPr>
-        <p:txBody>
-          <a:bodyPr anchorCtr="0" anchor="ctr" bIns="91425" lIns="91425" rIns="91425" tIns="91425">
-            <a:noAutofit/>
-          </a:bodyPr>
-          <a:lstStyle/>
-          <a:p>
-            <a:pPr lvl="0" rtl="0">
-              <a:spcBef>
-                <a:spcPts val="0"/>
-              </a:spcBef>
-              <a:buNone/>
-            </a:pPr>
-            <a:r>
-              <a:rPr b="1" lang="en"/>
-              <a:t>The delivery personnel asks the client to complete a receive form. This is completed in three copies.</a:t>
-            </a:r>
-          </a:p>
-        </p:txBody>
-      </p:sp>
-      <p:cxnSp>
-        <p:nvCxnSpPr>
-          <p:cNvPr id="102" name="Shape 102"/>
-          <p:cNvCxnSpPr>
-            <a:stCxn id="100" idx="3"/>
-            <a:endCxn id="96" idx="1"/>
-          </p:cNvCxnSpPr>
-          <p:nvPr/>
-        </p:nvCxnSpPr>
-        <p:spPr>
-          <a:xfrm>
-            <a:off x="5169875" y="1614350"/>
-            <a:ext cx="475800" cy="2700"/>
-          </a:xfrm>
-          <a:prstGeom prst="straightConnector1">
-            <a:avLst/>
-          </a:prstGeom>
-          <a:noFill/>
-          <a:ln cap="flat" cmpd="sng" w="9525">
-            <a:solidFill>
-              <a:schemeClr val="dk2"/>
-            </a:solidFill>
-            <a:prstDash val="solid"/>
-            <a:round/>
-            <a:headEnd len="lg" w="lg" type="none"/>
-            <a:tailEnd len="lg" w="lg" type="triangle"/>
-          </a:ln>
-        </p:spPr>
-      </p:cxnSp>
-      <p:cxnSp>
-        <p:nvCxnSpPr>
-          <p:cNvPr id="103" name="Shape 103"/>
-          <p:cNvCxnSpPr>
-            <a:stCxn id="96" idx="2"/>
-            <a:endCxn id="101" idx="0"/>
-          </p:cNvCxnSpPr>
-          <p:nvPr/>
-        </p:nvCxnSpPr>
-        <p:spPr>
-          <a:xfrm>
-            <a:off x="6796349" y="2074775"/>
-            <a:ext cx="2400" cy="321600"/>
-          </a:xfrm>
-          <a:prstGeom prst="straightConnector1">
-            <a:avLst/>
-          </a:prstGeom>
-          <a:noFill/>
-          <a:ln cap="flat" cmpd="sng" w="9525">
-            <a:solidFill>
-              <a:schemeClr val="dk2"/>
-            </a:solidFill>
-            <a:prstDash val="solid"/>
-            <a:round/>
-            <a:headEnd len="lg" w="lg" type="none"/>
-            <a:tailEnd len="lg" w="lg" type="triangle"/>
-          </a:ln>
-        </p:spPr>
-      </p:cxnSp>
-      <p:sp>
-        <p:nvSpPr>
-          <p:cNvPr id="104" name="Shape 104"/>
-          <p:cNvSpPr/>
-          <p:nvPr/>
-        </p:nvSpPr>
-        <p:spPr>
-          <a:xfrm>
-            <a:off x="5582700" y="3923675"/>
-            <a:ext cx="2432099" cy="967200"/>
-          </a:xfrm>
-          <a:prstGeom prst="roundRect">
-            <a:avLst>
-              <a:gd fmla="val 16667" name="adj"/>
-            </a:avLst>
-          </a:prstGeom>
-          <a:solidFill>
-            <a:schemeClr val="lt2"/>
-          </a:solidFill>
-          <a:ln cap="flat" cmpd="sng" w="9525">
-            <a:solidFill>
-              <a:schemeClr val="dk2"/>
-            </a:solidFill>
-            <a:prstDash val="solid"/>
-            <a:round/>
-            <a:headEnd len="med" w="med" type="none"/>
-            <a:tailEnd len="med" w="med" type="none"/>
-          </a:ln>
-        </p:spPr>
-        <p:txBody>
-          <a:bodyPr anchorCtr="0" anchor="ctr" bIns="91425" lIns="91425" rIns="91425" tIns="91425">
-            <a:noAutofit/>
-          </a:bodyPr>
-          <a:lstStyle/>
-          <a:p>
-            <a:pPr lvl="0" rtl="0">
-              <a:spcBef>
-                <a:spcPts val="0"/>
-              </a:spcBef>
-              <a:buNone/>
-            </a:pPr>
-            <a:r>
-              <a:rPr b="1" lang="en"/>
-              <a:t>Secretary receives and keeps a copy of the receive form. She deletes the order in the excel.</a:t>
-            </a:r>
-          </a:p>
-        </p:txBody>
-      </p:sp>
-      <p:cxnSp>
-        <p:nvCxnSpPr>
-          <p:cNvPr id="105" name="Shape 105"/>
-          <p:cNvCxnSpPr>
-            <a:stCxn id="101" idx="2"/>
-            <a:endCxn id="104" idx="0"/>
-          </p:cNvCxnSpPr>
-          <p:nvPr/>
-        </p:nvCxnSpPr>
-        <p:spPr>
-          <a:xfrm>
-            <a:off x="6798750" y="3615524"/>
-            <a:ext cx="0" cy="308100"/>
-          </a:xfrm>
-          <a:prstGeom prst="straightConnector1">
-            <a:avLst/>
-          </a:prstGeom>
-          <a:noFill/>
-          <a:ln cap="flat" cmpd="sng" w="9525">
-            <a:solidFill>
-              <a:schemeClr val="dk2"/>
-            </a:solidFill>
-            <a:prstDash val="solid"/>
-            <a:round/>
-            <a:headEnd len="lg" w="lg" type="none"/>
-            <a:tailEnd len="lg" w="lg" type="triangle"/>
-          </a:ln>
-        </p:spPr>
-      </p:cxnSp>
+      </p:pic>
     </p:spTree>
   </p:cSld>
   <p:clrMapOvr>
@@ -7280,7 +6856,7 @@
   <p:cSld>
     <p:spTree>
       <p:nvGrpSpPr>
-        <p:cNvPr id="109" name="Shape 109"/>
+        <p:cNvPr id="93" name="Shape 93"/>
         <p:cNvGrpSpPr/>
         <p:nvPr/>
       </p:nvGrpSpPr>
@@ -7294,7 +6870,7 @@
       </p:grpSpPr>
       <p:sp>
         <p:nvSpPr>
-          <p:cNvPr id="110" name="Shape 110"/>
+          <p:cNvPr id="94" name="Shape 94"/>
           <p:cNvSpPr txBox="1"/>
           <p:nvPr>
             <p:ph type="title"/>
@@ -7332,6 +6908,206 @@
             </a:pPr>
             <a:r>
               <a:rPr lang="en"/>
+              <a:t>Business Process</a:t>
+            </a:r>
+          </a:p>
+        </p:txBody>
+      </p:sp>
+      <p:pic>
+        <p:nvPicPr>
+          <p:cNvPr id="95" name="Shape 95"/>
+          <p:cNvPicPr preferRelativeResize="0"/>
+          <p:nvPr/>
+        </p:nvPicPr>
+        <p:blipFill rotWithShape="1">
+          <a:blip r:embed="rId3">
+            <a:alphaModFix/>
+          </a:blip>
+          <a:srcRect b="0" l="3175" r="0" t="0"/>
+          <a:stretch/>
+        </p:blipFill>
+        <p:spPr>
+          <a:xfrm>
+            <a:off x="1526775" y="1017725"/>
+            <a:ext cx="5306201" cy="3925274"/>
+          </a:xfrm>
+          <a:prstGeom prst="rect">
+            <a:avLst/>
+          </a:prstGeom>
+          <a:noFill/>
+          <a:ln>
+            <a:noFill/>
+          </a:ln>
+        </p:spPr>
+      </p:pic>
+    </p:spTree>
+  </p:cSld>
+  <p:clrMapOvr>
+    <a:masterClrMapping/>
+  </p:clrMapOvr>
+  <p:transition spd="slow">
+    <p:cut/>
+  </p:transition>
+</p:sld>
+</file>
+
+<file path=ppt/slides/slide6.xml><?xml version="1.0" encoding="utf-8"?>
+<p:sld xmlns:a="http://schemas.openxmlformats.org/drawingml/2006/main" xmlns:r="http://schemas.openxmlformats.org/officeDocument/2006/relationships" xmlns:mc="http://schemas.openxmlformats.org/markup-compatibility/2006" xmlns:mv="urn:schemas-microsoft-com:mac:vml" xmlns:p="http://schemas.openxmlformats.org/presentationml/2006/main" xmlns:c="http://schemas.openxmlformats.org/drawingml/2006/chart" xmlns:dgm="http://schemas.openxmlformats.org/drawingml/2006/diagram" xmlns:o="urn:schemas-microsoft-com:office:office" xmlns:v="urn:schemas-microsoft-com:vml" xmlns:pvml="urn:schemas-microsoft-com:office:powerpoint" xmlns:com="http://schemas.openxmlformats.org/drawingml/2006/compatibility" xmlns:p14="http://schemas.microsoft.com/office/powerpoint/2010/main">
+  <p:cSld>
+    <p:spTree>
+      <p:nvGrpSpPr>
+        <p:cNvPr id="99" name="Shape 99"/>
+        <p:cNvGrpSpPr/>
+        <p:nvPr/>
+      </p:nvGrpSpPr>
+      <p:grpSpPr>
+        <a:xfrm>
+          <a:off x="0" y="0"/>
+          <a:ext cx="0" cy="0"/>
+          <a:chOff x="0" y="0"/>
+          <a:chExt cx="0" cy="0"/>
+        </a:xfrm>
+      </p:grpSpPr>
+      <p:sp>
+        <p:nvSpPr>
+          <p:cNvPr id="100" name="Shape 100"/>
+          <p:cNvSpPr txBox="1"/>
+          <p:nvPr>
+            <p:ph type="title"/>
+          </p:nvPr>
+        </p:nvSpPr>
+        <p:spPr>
+          <a:xfrm>
+            <a:off x="311700" y="445025"/>
+            <a:ext cx="8520599" cy="572699"/>
+          </a:xfrm>
+          <a:prstGeom prst="rect">
+            <a:avLst/>
+          </a:prstGeom>
+          <a:solidFill>
+            <a:schemeClr val="dk1"/>
+          </a:solidFill>
+        </p:spPr>
+        <p:txBody>
+          <a:bodyPr anchorCtr="0" anchor="t" bIns="91425" lIns="91425" rIns="91425" tIns="91425">
+            <a:noAutofit/>
+          </a:bodyPr>
+          <a:lstStyle/>
+          <a:p>
+            <a:pPr indent="0" lvl="0" marL="0" marR="0" rtl="0" algn="l">
+              <a:lnSpc>
+                <a:spcPct val="100000"/>
+              </a:lnSpc>
+              <a:spcBef>
+                <a:spcPts val="0"/>
+              </a:spcBef>
+              <a:spcAft>
+                <a:spcPts val="0"/>
+              </a:spcAft>
+              <a:buNone/>
+            </a:pPr>
+            <a:r>
+              <a:rPr lang="en"/>
+              <a:t>Business Process</a:t>
+            </a:r>
+          </a:p>
+        </p:txBody>
+      </p:sp>
+      <p:pic>
+        <p:nvPicPr>
+          <p:cNvPr id="101" name="Shape 101"/>
+          <p:cNvPicPr preferRelativeResize="0"/>
+          <p:nvPr/>
+        </p:nvPicPr>
+        <p:blipFill rotWithShape="1">
+          <a:blip r:embed="rId3">
+            <a:alphaModFix/>
+          </a:blip>
+          <a:srcRect b="0" l="5935" r="0" t="0"/>
+          <a:stretch/>
+        </p:blipFill>
+        <p:spPr>
+          <a:xfrm>
+            <a:off x="1414150" y="1100175"/>
+            <a:ext cx="6822975" cy="3841850"/>
+          </a:xfrm>
+          <a:prstGeom prst="rect">
+            <a:avLst/>
+          </a:prstGeom>
+          <a:noFill/>
+          <a:ln>
+            <a:noFill/>
+          </a:ln>
+        </p:spPr>
+      </p:pic>
+    </p:spTree>
+  </p:cSld>
+  <p:clrMapOvr>
+    <a:masterClrMapping/>
+  </p:clrMapOvr>
+  <p:transition spd="slow">
+    <p:cut/>
+  </p:transition>
+</p:sld>
+</file>
+
+<file path=ppt/slides/slide7.xml><?xml version="1.0" encoding="utf-8"?>
+<p:sld xmlns:a="http://schemas.openxmlformats.org/drawingml/2006/main" xmlns:r="http://schemas.openxmlformats.org/officeDocument/2006/relationships" xmlns:mc="http://schemas.openxmlformats.org/markup-compatibility/2006" xmlns:mv="urn:schemas-microsoft-com:mac:vml" xmlns:p="http://schemas.openxmlformats.org/presentationml/2006/main" xmlns:c="http://schemas.openxmlformats.org/drawingml/2006/chart" xmlns:dgm="http://schemas.openxmlformats.org/drawingml/2006/diagram" xmlns:o="urn:schemas-microsoft-com:office:office" xmlns:v="urn:schemas-microsoft-com:vml" xmlns:pvml="urn:schemas-microsoft-com:office:powerpoint" xmlns:com="http://schemas.openxmlformats.org/drawingml/2006/compatibility" xmlns:p14="http://schemas.microsoft.com/office/powerpoint/2010/main">
+  <p:cSld>
+    <p:spTree>
+      <p:nvGrpSpPr>
+        <p:cNvPr id="105" name="Shape 105"/>
+        <p:cNvGrpSpPr/>
+        <p:nvPr/>
+      </p:nvGrpSpPr>
+      <p:grpSpPr>
+        <a:xfrm>
+          <a:off x="0" y="0"/>
+          <a:ext cx="0" cy="0"/>
+          <a:chOff x="0" y="0"/>
+          <a:chExt cx="0" cy="0"/>
+        </a:xfrm>
+      </p:grpSpPr>
+      <p:sp>
+        <p:nvSpPr>
+          <p:cNvPr id="106" name="Shape 106"/>
+          <p:cNvSpPr txBox="1"/>
+          <p:nvPr>
+            <p:ph type="title"/>
+          </p:nvPr>
+        </p:nvSpPr>
+        <p:spPr>
+          <a:xfrm>
+            <a:off x="311700" y="445025"/>
+            <a:ext cx="8520599" cy="572699"/>
+          </a:xfrm>
+          <a:prstGeom prst="rect">
+            <a:avLst/>
+          </a:prstGeom>
+          <a:solidFill>
+            <a:schemeClr val="dk1"/>
+          </a:solidFill>
+        </p:spPr>
+        <p:txBody>
+          <a:bodyPr anchorCtr="0" anchor="t" bIns="91425" lIns="91425" rIns="91425" tIns="91425">
+            <a:noAutofit/>
+          </a:bodyPr>
+          <a:lstStyle/>
+          <a:p>
+            <a:pPr indent="0" lvl="0" marL="0" marR="0" rtl="0" algn="l">
+              <a:lnSpc>
+                <a:spcPct val="100000"/>
+              </a:lnSpc>
+              <a:spcBef>
+                <a:spcPts val="0"/>
+              </a:spcBef>
+              <a:spcAft>
+                <a:spcPts val="0"/>
+              </a:spcAft>
+              <a:buNone/>
+            </a:pPr>
+            <a:r>
+              <a:rPr lang="en"/>
               <a:t>Business Goal</a:t>
             </a:r>
           </a:p>
@@ -7339,7 +7115,7 @@
       </p:sp>
       <p:sp>
         <p:nvSpPr>
-          <p:cNvPr id="111" name="Shape 111"/>
+          <p:cNvPr id="107" name="Shape 107"/>
           <p:cNvSpPr txBox="1"/>
           <p:nvPr>
             <p:ph idx="1" type="body"/>
@@ -7396,12 +7172,12 @@
 </p:sld>
 </file>
 
-<file path=ppt/slides/slide6.xml><?xml version="1.0" encoding="utf-8"?>
+<file path=ppt/slides/slide8.xml><?xml version="1.0" encoding="utf-8"?>
 <p:sld xmlns:a="http://schemas.openxmlformats.org/drawingml/2006/main" xmlns:r="http://schemas.openxmlformats.org/officeDocument/2006/relationships" xmlns:mc="http://schemas.openxmlformats.org/markup-compatibility/2006" xmlns:mv="urn:schemas-microsoft-com:mac:vml" xmlns:p="http://schemas.openxmlformats.org/presentationml/2006/main" xmlns:c="http://schemas.openxmlformats.org/drawingml/2006/chart" xmlns:dgm="http://schemas.openxmlformats.org/drawingml/2006/diagram" xmlns:o="urn:schemas-microsoft-com:office:office" xmlns:v="urn:schemas-microsoft-com:vml" xmlns:pvml="urn:schemas-microsoft-com:office:powerpoint" xmlns:com="http://schemas.openxmlformats.org/drawingml/2006/compatibility" xmlns:p14="http://schemas.microsoft.com/office/powerpoint/2010/main">
   <p:cSld>
     <p:spTree>
       <p:nvGrpSpPr>
-        <p:cNvPr id="115" name="Shape 115"/>
+        <p:cNvPr id="111" name="Shape 111"/>
         <p:cNvGrpSpPr/>
         <p:nvPr/>
       </p:nvGrpSpPr>
@@ -7415,7 +7191,7 @@
       </p:grpSpPr>
       <p:sp>
         <p:nvSpPr>
-          <p:cNvPr id="116" name="Shape 116"/>
+          <p:cNvPr id="112" name="Shape 112"/>
           <p:cNvSpPr txBox="1"/>
           <p:nvPr>
             <p:ph type="title"/>
@@ -7465,7 +7241,7 @@
       </p:sp>
       <p:sp>
         <p:nvSpPr>
-          <p:cNvPr id="117" name="Shape 117"/>
+          <p:cNvPr id="113" name="Shape 113"/>
           <p:cNvSpPr txBox="1"/>
           <p:nvPr>
             <p:ph idx="1" type="body"/>
@@ -7515,12 +7291,12 @@
 </p:sld>
 </file>
 
-<file path=ppt/slides/slide7.xml><?xml version="1.0" encoding="utf-8"?>
+<file path=ppt/slides/slide9.xml><?xml version="1.0" encoding="utf-8"?>
 <p:sld xmlns:a="http://schemas.openxmlformats.org/drawingml/2006/main" xmlns:r="http://schemas.openxmlformats.org/officeDocument/2006/relationships" xmlns:mc="http://schemas.openxmlformats.org/markup-compatibility/2006" xmlns:mv="urn:schemas-microsoft-com:mac:vml" xmlns:p="http://schemas.openxmlformats.org/presentationml/2006/main" xmlns:c="http://schemas.openxmlformats.org/drawingml/2006/chart" xmlns:dgm="http://schemas.openxmlformats.org/drawingml/2006/diagram" xmlns:o="urn:schemas-microsoft-com:office:office" xmlns:v="urn:schemas-microsoft-com:vml" xmlns:pvml="urn:schemas-microsoft-com:office:powerpoint" xmlns:com="http://schemas.openxmlformats.org/drawingml/2006/compatibility" xmlns:p14="http://schemas.microsoft.com/office/powerpoint/2010/main">
   <p:cSld>
     <p:spTree>
       <p:nvGrpSpPr>
-        <p:cNvPr id="121" name="Shape 121"/>
+        <p:cNvPr id="117" name="Shape 117"/>
         <p:cNvGrpSpPr/>
         <p:nvPr/>
       </p:nvGrpSpPr>
@@ -7534,7 +7310,7 @@
       </p:grpSpPr>
       <p:sp>
         <p:nvSpPr>
-          <p:cNvPr id="122" name="Shape 122"/>
+          <p:cNvPr id="118" name="Shape 118"/>
           <p:cNvSpPr txBox="1"/>
           <p:nvPr>
             <p:ph type="title"/>
@@ -7579,7 +7355,7 @@
       </p:sp>
       <p:sp>
         <p:nvSpPr>
-          <p:cNvPr id="123" name="Shape 123"/>
+          <p:cNvPr id="119" name="Shape 119"/>
           <p:cNvSpPr txBox="1"/>
           <p:nvPr>
             <p:ph idx="1" type="body"/>
@@ -7701,7 +7477,7 @@
       </p:sp>
       <p:sp>
         <p:nvSpPr>
-          <p:cNvPr id="124" name="Shape 124"/>
+          <p:cNvPr id="120" name="Shape 120"/>
           <p:cNvSpPr txBox="1"/>
           <p:nvPr>
             <p:ph idx="1" type="body"/>
@@ -7799,106 +7575,6 @@
               <a:t/>
             </a:r>
             <a:endParaRPr b="1"/>
-          </a:p>
-        </p:txBody>
-      </p:sp>
-    </p:spTree>
-  </p:cSld>
-  <p:clrMapOvr>
-    <a:masterClrMapping/>
-  </p:clrMapOvr>
-  <p:transition spd="slow">
-    <p:cut/>
-  </p:transition>
-</p:sld>
-</file>
-
-<file path=ppt/slides/slide8.xml><?xml version="1.0" encoding="utf-8"?>
-<p:sld xmlns:a="http://schemas.openxmlformats.org/drawingml/2006/main" xmlns:r="http://schemas.openxmlformats.org/officeDocument/2006/relationships" xmlns:mc="http://schemas.openxmlformats.org/markup-compatibility/2006" xmlns:mv="urn:schemas-microsoft-com:mac:vml" xmlns:p="http://schemas.openxmlformats.org/presentationml/2006/main" xmlns:c="http://schemas.openxmlformats.org/drawingml/2006/chart" xmlns:dgm="http://schemas.openxmlformats.org/drawingml/2006/diagram" xmlns:o="urn:schemas-microsoft-com:office:office" xmlns:v="urn:schemas-microsoft-com:vml" xmlns:pvml="urn:schemas-microsoft-com:office:powerpoint" xmlns:com="http://schemas.openxmlformats.org/drawingml/2006/compatibility" xmlns:p14="http://schemas.microsoft.com/office/powerpoint/2010/main">
-  <p:cSld>
-    <p:spTree>
-      <p:nvGrpSpPr>
-        <p:cNvPr id="128" name="Shape 128"/>
-        <p:cNvGrpSpPr/>
-        <p:nvPr/>
-      </p:nvGrpSpPr>
-      <p:grpSpPr>
-        <a:xfrm>
-          <a:off x="0" y="0"/>
-          <a:ext cx="0" cy="0"/>
-          <a:chOff x="0" y="0"/>
-          <a:chExt cx="0" cy="0"/>
-        </a:xfrm>
-      </p:grpSpPr>
-      <p:sp>
-        <p:nvSpPr>
-          <p:cNvPr id="129" name="Shape 129"/>
-          <p:cNvSpPr txBox="1"/>
-          <p:nvPr>
-            <p:ph type="ctrTitle"/>
-          </p:nvPr>
-        </p:nvSpPr>
-        <p:spPr>
-          <a:xfrm>
-            <a:off x="344250" y="1403850"/>
-            <a:ext cx="8455500" cy="2146800"/>
-          </a:xfrm>
-          <a:prstGeom prst="rect">
-            <a:avLst/>
-          </a:prstGeom>
-        </p:spPr>
-        <p:txBody>
-          <a:bodyPr anchorCtr="0" anchor="ctr" bIns="91425" lIns="91425" rIns="91425" tIns="91425">
-            <a:noAutofit/>
-          </a:bodyPr>
-          <a:lstStyle/>
-          <a:p>
-            <a:pPr lvl="0">
-              <a:spcBef>
-                <a:spcPts val="0"/>
-              </a:spcBef>
-              <a:buNone/>
-            </a:pPr>
-            <a:r>
-              <a:rPr lang="en"/>
-              <a:t>Thank You for Listening!</a:t>
-            </a:r>
-          </a:p>
-        </p:txBody>
-      </p:sp>
-      <p:sp>
-        <p:nvSpPr>
-          <p:cNvPr id="130" name="Shape 130"/>
-          <p:cNvSpPr txBox="1"/>
-          <p:nvPr>
-            <p:ph idx="1" type="subTitle"/>
-          </p:nvPr>
-        </p:nvSpPr>
-        <p:spPr>
-          <a:xfrm>
-            <a:off x="344250" y="3550650"/>
-            <a:ext cx="4910100" cy="577799"/>
-          </a:xfrm>
-          <a:prstGeom prst="rect">
-            <a:avLst/>
-          </a:prstGeom>
-        </p:spPr>
-        <p:txBody>
-          <a:bodyPr anchorCtr="0" anchor="ctr" bIns="91425" lIns="91425" rIns="91425" tIns="91425">
-            <a:noAutofit/>
-          </a:bodyPr>
-          <a:lstStyle/>
-          <a:p>
-            <a:pPr lvl="0">
-              <a:spcBef>
-                <a:spcPts val="0"/>
-              </a:spcBef>
-              <a:buNone/>
-            </a:pPr>
-            <a:r>
-              <a:rPr lang="en"/>
-              <a:t>INTROSE S22</a:t>
-            </a:r>
           </a:p>
         </p:txBody>
       </p:sp>
